--- a/ppt/ch01_绪论.pptx
+++ b/ppt/ch01_绪论.pptx
@@ -20079,7 +20079,7 @@
         <p:spPr/>
         <p:txBody>
           <a:bodyPr>
-            <a:normAutofit fontScale="90000" lnSpcReduction="10000"/>
+            <a:normAutofit/>
           </a:bodyPr>
           <a:p>
             <a:r>
@@ -20092,79 +20092,6 @@
             <a:r>
               <a:rPr lang="zh-CN" altLang="en-US"/>
               <a:t>g++ -std=c++20 -fmodules-ts -xc++-system-header iostream</a:t>
-            </a:r>
-            <a:endParaRPr lang="zh-CN" altLang="en-US"/>
-          </a:p>
-          <a:p>
-            <a:r>
-              <a:rPr lang="zh-CN" altLang="en-US"/>
-              <a:t>2.修改</a:t>
-            </a:r>
-            <a:r>
-              <a:rPr lang="en-US" altLang="zh-CN"/>
-              <a:t>settings.json</a:t>
-            </a:r>
-            <a:endParaRPr lang="en-US" altLang="zh-CN"/>
-          </a:p>
-          <a:p>
-            <a:r>
-              <a:rPr lang="zh-CN" altLang="en-US"/>
-              <a:t>在设置中查找</a:t>
-            </a:r>
-            <a:r>
-              <a:rPr lang="en-US" altLang="zh-CN"/>
-              <a:t>Code-runner:Executor Map</a:t>
-            </a:r>
-            <a:endParaRPr lang="en-US" altLang="zh-CN"/>
-          </a:p>
-          <a:p>
-            <a:r>
-              <a:rPr lang="en-US" altLang="zh-CN"/>
-              <a:t>点</a:t>
-            </a:r>
-            <a:r>
-              <a:rPr lang="zh-CN" altLang="en-US"/>
-              <a:t>击</a:t>
-            </a:r>
-            <a:r>
-              <a:rPr lang="en-US" altLang="zh-CN"/>
-              <a:t> “在 settings.json 中编辑” </a:t>
-            </a:r>
-            <a:endParaRPr lang="en-US" altLang="zh-CN"/>
-          </a:p>
-          <a:p>
-            <a:r>
-              <a:rPr lang="zh-CN" altLang="en-US"/>
-              <a:t> 在</a:t>
-            </a:r>
-            <a:r>
-              <a:rPr lang="en-US" altLang="zh-CN"/>
-              <a:t>cpp</a:t>
-            </a:r>
-            <a:r>
-              <a:rPr lang="zh-CN" altLang="en-US"/>
-              <a:t>那行增加</a:t>
-            </a:r>
-            <a:r>
-              <a:rPr lang="zh-CN" altLang="en-US" b="1" i="1">
-                <a:sym typeface="+mn-ea"/>
-              </a:rPr>
-              <a:t>-std=gnu++20 -fmodules-ts</a:t>
-            </a:r>
-            <a:endParaRPr lang="zh-CN" altLang="en-US"/>
-          </a:p>
-          <a:p>
-            <a:r>
-              <a:rPr lang="zh-CN" altLang="en-US"/>
-              <a:t>"cpp": "cd $dir &amp;&amp; g++ </a:t>
-            </a:r>
-            <a:r>
-              <a:rPr lang="zh-CN" altLang="en-US" b="1" i="1"/>
-              <a:t>-std=gnu++20 -fmodules-ts</a:t>
-            </a:r>
-            <a:r>
-              <a:rPr lang="zh-CN" altLang="en-US"/>
-              <a:t> $fileName -o $fileNameWithoutExt &amp;&amp; $dir$fileNameWithoutExt",</a:t>
             </a:r>
             <a:endParaRPr lang="zh-CN" altLang="en-US"/>
           </a:p>
